--- a/AI_14_s1xx_발표자료.pptx
+++ b/AI_14_s1xx_발표자료.pptx
@@ -2,41 +2,41 @@
 <file path=ppt/presentation.xml><?xml version="1.0" encoding="utf-8"?>
 <p:presentation xmlns:a="http://schemas.openxmlformats.org/drawingml/2006/main" xmlns:r="http://schemas.openxmlformats.org/officeDocument/2006/relationships" xmlns:mc="http://schemas.openxmlformats.org/markup-compatibility/2006" xmlns:mv="urn:schemas-microsoft-com:mac:vml" xmlns:p="http://schemas.openxmlformats.org/presentationml/2006/main" xmlns:c="http://schemas.openxmlformats.org/drawingml/2006/chart" xmlns:dgm="http://schemas.openxmlformats.org/drawingml/2006/diagram" xmlns:o="urn:schemas-microsoft-com:office:office" xmlns:v="urn:schemas-microsoft-com:vml" xmlns:pvml="urn:schemas-microsoft-com:office:powerpoint" xmlns:com="http://schemas.openxmlformats.org/drawingml/2006/compatibility" xmlns:p14="http://schemas.microsoft.com/office/powerpoint/2010/main" xmlns:p15="http://schemas.microsoft.com/office/powerpoint/2012/main" xmlns:ahyp="http://schemas.microsoft.com/office/drawing/2018/hyperlinkcolor" autoCompressPictures="0" embedTrueTypeFonts="1" strictFirstAndLastChars="0" saveSubsetFonts="1">
   <p:sldMasterIdLst>
-    <p:sldMasterId id="2147483659" r:id="rId4"/>
+    <p:sldMasterId id="2147483659" r:id="rId5"/>
   </p:sldMasterIdLst>
   <p:notesMasterIdLst>
-    <p:notesMasterId r:id="rId5"/>
+    <p:notesMasterId r:id="rId6"/>
   </p:notesMasterIdLst>
   <p:sldIdLst>
-    <p:sldId id="256" r:id="rId6"/>
-    <p:sldId id="257" r:id="rId7"/>
-    <p:sldId id="258" r:id="rId8"/>
-    <p:sldId id="259" r:id="rId9"/>
-    <p:sldId id="260" r:id="rId10"/>
-    <p:sldId id="261" r:id="rId11"/>
-    <p:sldId id="262" r:id="rId12"/>
-    <p:sldId id="263" r:id="rId13"/>
-    <p:sldId id="264" r:id="rId14"/>
-    <p:sldId id="265" r:id="rId15"/>
-    <p:sldId id="266" r:id="rId16"/>
-    <p:sldId id="267" r:id="rId17"/>
-    <p:sldId id="268" r:id="rId18"/>
-    <p:sldId id="269" r:id="rId19"/>
-    <p:sldId id="270" r:id="rId20"/>
+    <p:sldId id="256" r:id="rId7"/>
+    <p:sldId id="257" r:id="rId8"/>
+    <p:sldId id="258" r:id="rId9"/>
+    <p:sldId id="259" r:id="rId10"/>
+    <p:sldId id="260" r:id="rId11"/>
+    <p:sldId id="261" r:id="rId12"/>
+    <p:sldId id="262" r:id="rId13"/>
+    <p:sldId id="263" r:id="rId14"/>
+    <p:sldId id="264" r:id="rId15"/>
+    <p:sldId id="265" r:id="rId16"/>
+    <p:sldId id="266" r:id="rId17"/>
+    <p:sldId id="267" r:id="rId18"/>
+    <p:sldId id="268" r:id="rId19"/>
+    <p:sldId id="269" r:id="rId20"/>
+    <p:sldId id="270" r:id="rId21"/>
   </p:sldIdLst>
   <p:sldSz cy="5143500" cx="9144000"/>
   <p:notesSz cx="6858000" cy="9144000"/>
   <p:embeddedFontLst>
     <p:embeddedFont>
       <p:font typeface="Proxima Nova"/>
-      <p:regular r:id="rId21"/>
-      <p:bold r:id="rId22"/>
-      <p:italic r:id="rId23"/>
-      <p:boldItalic r:id="rId24"/>
+      <p:regular r:id="rId22"/>
+      <p:bold r:id="rId23"/>
+      <p:italic r:id="rId24"/>
+      <p:boldItalic r:id="rId25"/>
     </p:embeddedFont>
     <p:embeddedFont>
       <p:font typeface="Alfa Slab One"/>
-      <p:regular r:id="rId25"/>
+      <p:regular r:id="rId26"/>
     </p:embeddedFont>
   </p:embeddedFontLst>
   <p:defaultTextStyle>
@@ -1015,7 +1015,7 @@
   <p:cSld>
     <p:spTree>
       <p:nvGrpSpPr>
-        <p:cNvPr id="119" name="Shape 119"/>
+        <p:cNvPr id="120" name="Shape 120"/>
         <p:cNvGrpSpPr/>
         <p:nvPr/>
       </p:nvGrpSpPr>
@@ -1029,7 +1029,7 @@
       </p:grpSpPr>
       <p:sp>
         <p:nvSpPr>
-          <p:cNvPr id="120" name="Google Shape;120;g139fb79ffc5_0_120:notes"/>
+          <p:cNvPr id="121" name="Google Shape;121;g139fb79ffc5_0_120:notes"/>
           <p:cNvSpPr/>
           <p:nvPr>
             <p:ph idx="2" type="sldImg"/>
@@ -1064,7 +1064,7 @@
       </p:sp>
       <p:sp>
         <p:nvSpPr>
-          <p:cNvPr id="121" name="Google Shape;121;g139fb79ffc5_0_120:notes"/>
+          <p:cNvPr id="122" name="Google Shape;122;g139fb79ffc5_0_120:notes"/>
           <p:cNvSpPr txBox="1"/>
           <p:nvPr>
             <p:ph idx="1" type="body"/>
@@ -1114,7 +1114,7 @@
   <p:cSld>
     <p:spTree>
       <p:nvGrpSpPr>
-        <p:cNvPr id="125" name="Shape 125"/>
+        <p:cNvPr id="126" name="Shape 126"/>
         <p:cNvGrpSpPr/>
         <p:nvPr/>
       </p:nvGrpSpPr>
@@ -1128,7 +1128,7 @@
       </p:grpSpPr>
       <p:sp>
         <p:nvSpPr>
-          <p:cNvPr id="126" name="Google Shape;126;g139fb79ffc5_0_125:notes"/>
+          <p:cNvPr id="127" name="Google Shape;127;g139fb79ffc5_0_125:notes"/>
           <p:cNvSpPr/>
           <p:nvPr>
             <p:ph idx="2" type="sldImg"/>
@@ -1163,7 +1163,7 @@
       </p:sp>
       <p:sp>
         <p:nvSpPr>
-          <p:cNvPr id="127" name="Google Shape;127;g139fb79ffc5_0_125:notes"/>
+          <p:cNvPr id="128" name="Google Shape;128;g139fb79ffc5_0_125:notes"/>
           <p:cNvSpPr txBox="1"/>
           <p:nvPr>
             <p:ph idx="1" type="body"/>
@@ -1213,7 +1213,7 @@
   <p:cSld>
     <p:spTree>
       <p:nvGrpSpPr>
-        <p:cNvPr id="131" name="Shape 131"/>
+        <p:cNvPr id="133" name="Shape 133"/>
         <p:cNvGrpSpPr/>
         <p:nvPr/>
       </p:nvGrpSpPr>
@@ -1227,7 +1227,7 @@
       </p:grpSpPr>
       <p:sp>
         <p:nvSpPr>
-          <p:cNvPr id="132" name="Google Shape;132;g139fb79ffc5_0_131:notes"/>
+          <p:cNvPr id="134" name="Google Shape;134;g139fb79ffc5_0_131:notes"/>
           <p:cNvSpPr/>
           <p:nvPr>
             <p:ph idx="2" type="sldImg"/>
@@ -1262,7 +1262,7 @@
       </p:sp>
       <p:sp>
         <p:nvSpPr>
-          <p:cNvPr id="133" name="Google Shape;133;g139fb79ffc5_0_131:notes"/>
+          <p:cNvPr id="135" name="Google Shape;135;g139fb79ffc5_0_131:notes"/>
           <p:cNvSpPr txBox="1"/>
           <p:nvPr>
             <p:ph idx="1" type="body"/>
@@ -1312,7 +1312,7 @@
   <p:cSld>
     <p:spTree>
       <p:nvGrpSpPr>
-        <p:cNvPr id="137" name="Shape 137"/>
+        <p:cNvPr id="139" name="Shape 139"/>
         <p:cNvGrpSpPr/>
         <p:nvPr/>
       </p:nvGrpSpPr>
@@ -1326,7 +1326,7 @@
       </p:grpSpPr>
       <p:sp>
         <p:nvSpPr>
-          <p:cNvPr id="138" name="Google Shape;138;g139fb79ffc5_0_136:notes"/>
+          <p:cNvPr id="140" name="Google Shape;140;g139fb79ffc5_0_136:notes"/>
           <p:cNvSpPr/>
           <p:nvPr>
             <p:ph idx="2" type="sldImg"/>
@@ -1361,7 +1361,7 @@
       </p:sp>
       <p:sp>
         <p:nvSpPr>
-          <p:cNvPr id="139" name="Google Shape;139;g139fb79ffc5_0_136:notes"/>
+          <p:cNvPr id="141" name="Google Shape;141;g139fb79ffc5_0_136:notes"/>
           <p:cNvSpPr txBox="1"/>
           <p:nvPr>
             <p:ph idx="1" type="body"/>
@@ -7734,8 +7734,36 @@
         </p:blipFill>
         <p:spPr>
           <a:xfrm>
-            <a:off x="2152650" y="1390650"/>
+            <a:off x="357200" y="1390650"/>
             <a:ext cx="4838700" cy="2362200"/>
+          </a:xfrm>
+          <a:prstGeom prst="rect">
+            <a:avLst/>
+          </a:prstGeom>
+          <a:noFill/>
+          <a:ln>
+            <a:noFill/>
+          </a:ln>
+        </p:spPr>
+      </p:pic>
+      <p:pic>
+        <p:nvPicPr>
+          <p:cNvPr id="119" name="Google Shape;119;p23"/>
+          <p:cNvPicPr preferRelativeResize="0"/>
+          <p:nvPr/>
+        </p:nvPicPr>
+        <p:blipFill>
+          <a:blip r:embed="rId4">
+            <a:alphaModFix/>
+          </a:blip>
+          <a:stretch>
+            <a:fillRect/>
+          </a:stretch>
+        </p:blipFill>
+        <p:spPr>
+          <a:xfrm>
+            <a:off x="5327100" y="1390650"/>
+            <a:ext cx="3505200" cy="2362200"/>
           </a:xfrm>
           <a:prstGeom prst="rect">
             <a:avLst/>
@@ -7759,7 +7787,7 @@
   <p:cSld>
     <p:spTree>
       <p:nvGrpSpPr>
-        <p:cNvPr id="122" name="Shape 122"/>
+        <p:cNvPr id="123" name="Shape 123"/>
         <p:cNvGrpSpPr/>
         <p:nvPr/>
       </p:nvGrpSpPr>
@@ -7773,7 +7801,7 @@
       </p:grpSpPr>
       <p:sp>
         <p:nvSpPr>
-          <p:cNvPr id="123" name="Google Shape;123;p24"/>
+          <p:cNvPr id="124" name="Google Shape;124;p24"/>
           <p:cNvSpPr txBox="1"/>
           <p:nvPr>
             <p:ph type="title"/>
@@ -7805,7 +7833,7 @@
             </a:pPr>
             <a:r>
               <a:rPr lang="ko"/>
-              <a:t>통계 - 표본 추출 방식</a:t>
+              <a:t>통계 - 분석 방식</a:t>
             </a:r>
             <a:endParaRPr/>
           </a:p>
@@ -7813,7 +7841,7 @@
       </p:sp>
       <p:sp>
         <p:nvSpPr>
-          <p:cNvPr id="124" name="Google Shape;124;p24"/>
+          <p:cNvPr id="125" name="Google Shape;125;p24"/>
           <p:cNvSpPr txBox="1"/>
           <p:nvPr>
             <p:ph idx="1" type="body"/>
@@ -7888,13 +7916,29 @@
                 <a:spcPts val="1200"/>
               </a:spcBef>
               <a:spcAft>
-                <a:spcPts val="1200"/>
+                <a:spcPts val="0"/>
               </a:spcAft>
               <a:buNone/>
             </a:pPr>
             <a:r>
               <a:rPr lang="ko"/>
-              <a:t>표본 30개 중복 무작위 추출, 200개의 표본 분석(신뢰도 95%)</a:t>
+              <a:t>장르별 표본 30개 중복 무작위 추출 후 평균값 200개</a:t>
+            </a:r>
+            <a:endParaRPr/>
+          </a:p>
+          <a:p>
+            <a:pPr indent="0" lvl="0" marL="0" rtl="0" algn="l">
+              <a:spcBef>
+                <a:spcPts val="1200"/>
+              </a:spcBef>
+              <a:spcAft>
+                <a:spcPts val="1200"/>
+              </a:spcAft>
+              <a:buNone/>
+            </a:pPr>
+            <a:r>
+              <a:rPr lang="ko"/>
+              <a:t>표본집단 Fisher’s LSD 분석</a:t>
             </a:r>
             <a:endParaRPr/>
           </a:p>
@@ -7913,7 +7957,7 @@
   <p:cSld>
     <p:spTree>
       <p:nvGrpSpPr>
-        <p:cNvPr id="128" name="Shape 128"/>
+        <p:cNvPr id="129" name="Shape 129"/>
         <p:cNvGrpSpPr/>
         <p:nvPr/>
       </p:nvGrpSpPr>
@@ -7927,7 +7971,7 @@
       </p:grpSpPr>
       <p:sp>
         <p:nvSpPr>
-          <p:cNvPr id="129" name="Google Shape;129;p25"/>
+          <p:cNvPr id="130" name="Google Shape;130;p25"/>
           <p:cNvSpPr txBox="1"/>
           <p:nvPr>
             <p:ph type="title"/>
@@ -7959,7 +8003,7 @@
             </a:pPr>
             <a:r>
               <a:rPr lang="ko"/>
-              <a:t>통계 - 통계 결과</a:t>
+              <a:t>통계 - 분석 결과</a:t>
             </a:r>
             <a:endParaRPr/>
           </a:p>
@@ -7967,7 +8011,7 @@
       </p:sp>
       <p:pic>
         <p:nvPicPr>
-          <p:cNvPr id="130" name="Google Shape;130;p25"/>
+          <p:cNvPr id="131" name="Google Shape;131;p25"/>
           <p:cNvPicPr preferRelativeResize="0"/>
           <p:nvPr/>
         </p:nvPicPr>
@@ -7981,7 +8025,7 @@
         </p:blipFill>
         <p:spPr>
           <a:xfrm>
-            <a:off x="1716175" y="1220250"/>
+            <a:off x="311700" y="1167600"/>
             <a:ext cx="5711650" cy="3472050"/>
           </a:xfrm>
           <a:prstGeom prst="rect">
@@ -7993,6 +8037,1045 @@
           </a:ln>
         </p:spPr>
       </p:pic>
+      <p:graphicFrame>
+        <p:nvGraphicFramePr>
+          <p:cNvPr id="132" name="Google Shape;132;p25"/>
+          <p:cNvGraphicFramePr/>
+          <p:nvPr/>
+        </p:nvGraphicFramePr>
+        <p:xfrm>
+          <a:off x="6222175" y="1221425"/>
+          <a:ext cx="3000000" cy="3000000"/>
+        </p:xfrm>
+        <a:graphic>
+          <a:graphicData uri="http://schemas.openxmlformats.org/drawingml/2006/table">
+            <a:tbl>
+              <a:tblPr>
+                <a:noFill/>
+                <a:tableStyleId>{55E7CDEC-81F6-48FC-B72B-094A2A3A993E}</a:tableStyleId>
+              </a:tblPr>
+              <a:tblGrid>
+                <a:gridCol w="1234450"/>
+                <a:gridCol w="726200"/>
+              </a:tblGrid>
+              <a:tr h="288825">
+                <a:tc>
+                  <a:txBody>
+                    <a:bodyPr/>
+                    <a:lstStyle/>
+                    <a:p>
+                      <a:pPr indent="0" lvl="0" marL="0" rtl="0" algn="ctr">
+                        <a:lnSpc>
+                          <a:spcPct val="115000"/>
+                        </a:lnSpc>
+                        <a:spcBef>
+                          <a:spcPts val="0"/>
+                        </a:spcBef>
+                        <a:spcAft>
+                          <a:spcPts val="0"/>
+                        </a:spcAft>
+                        <a:buNone/>
+                      </a:pPr>
+                      <a:r>
+                        <a:rPr b="1" lang="ko" sz="1050">
+                          <a:solidFill>
+                            <a:srgbClr val="383838"/>
+                          </a:solidFill>
+                        </a:rPr>
+                        <a:t>Genre</a:t>
+                      </a:r>
+                      <a:endParaRPr b="1" sz="1050">
+                        <a:solidFill>
+                          <a:srgbClr val="383838"/>
+                        </a:solidFill>
+                      </a:endParaRPr>
+                    </a:p>
+                  </a:txBody>
+                  <a:tcPr marT="66675" marB="66675" marR="66675" marL="66675" anchor="ctr">
+                    <a:solidFill>
+                      <a:srgbClr val="D5D5D5"/>
+                    </a:solidFill>
+                  </a:tcPr>
+                </a:tc>
+                <a:tc>
+                  <a:txBody>
+                    <a:bodyPr/>
+                    <a:lstStyle/>
+                    <a:p>
+                      <a:pPr indent="0" lvl="0" marL="0" rtl="0" algn="r">
+                        <a:lnSpc>
+                          <a:spcPct val="115000"/>
+                        </a:lnSpc>
+                        <a:spcBef>
+                          <a:spcPts val="0"/>
+                        </a:spcBef>
+                        <a:spcAft>
+                          <a:spcPts val="0"/>
+                        </a:spcAft>
+                        <a:buNone/>
+                      </a:pPr>
+                      <a:r>
+                        <a:rPr lang="ko" sz="1050">
+                          <a:solidFill>
+                            <a:srgbClr val="383838"/>
+                          </a:solidFill>
+                        </a:rPr>
+                        <a:t>Tier</a:t>
+                      </a:r>
+                      <a:endParaRPr sz="1050">
+                        <a:solidFill>
+                          <a:srgbClr val="383838"/>
+                        </a:solidFill>
+                      </a:endParaRPr>
+                    </a:p>
+                  </a:txBody>
+                  <a:tcPr marT="66675" marB="66675" marR="66675" marL="66675">
+                    <a:solidFill>
+                      <a:srgbClr val="D5D5D5"/>
+                    </a:solidFill>
+                  </a:tcPr>
+                </a:tc>
+              </a:tr>
+              <a:tr h="288825">
+                <a:tc>
+                  <a:txBody>
+                    <a:bodyPr/>
+                    <a:lstStyle/>
+                    <a:p>
+                      <a:pPr indent="0" lvl="0" marL="0" rtl="0" algn="ctr">
+                        <a:lnSpc>
+                          <a:spcPct val="115000"/>
+                        </a:lnSpc>
+                        <a:spcBef>
+                          <a:spcPts val="0"/>
+                        </a:spcBef>
+                        <a:spcAft>
+                          <a:spcPts val="0"/>
+                        </a:spcAft>
+                        <a:buNone/>
+                      </a:pPr>
+                      <a:r>
+                        <a:rPr b="1" lang="ko" sz="1050">
+                          <a:solidFill>
+                            <a:srgbClr val="383838"/>
+                          </a:solidFill>
+                        </a:rPr>
+                        <a:t>Shooter</a:t>
+                      </a:r>
+                      <a:endParaRPr b="1" sz="1050">
+                        <a:solidFill>
+                          <a:srgbClr val="383838"/>
+                        </a:solidFill>
+                      </a:endParaRPr>
+                    </a:p>
+                  </a:txBody>
+                  <a:tcPr marT="66675" marB="66675" marR="66675" marL="66675" anchor="ctr">
+                    <a:solidFill>
+                      <a:schemeClr val="lt1"/>
+                    </a:solidFill>
+                  </a:tcPr>
+                </a:tc>
+                <a:tc>
+                  <a:txBody>
+                    <a:bodyPr/>
+                    <a:lstStyle/>
+                    <a:p>
+                      <a:pPr indent="0" lvl="0" marL="0" rtl="0" algn="r">
+                        <a:lnSpc>
+                          <a:spcPct val="115000"/>
+                        </a:lnSpc>
+                        <a:spcBef>
+                          <a:spcPts val="0"/>
+                        </a:spcBef>
+                        <a:spcAft>
+                          <a:spcPts val="0"/>
+                        </a:spcAft>
+                        <a:buNone/>
+                      </a:pPr>
+                      <a:r>
+                        <a:rPr lang="ko" sz="1050">
+                          <a:solidFill>
+                            <a:srgbClr val="383838"/>
+                          </a:solidFill>
+                        </a:rPr>
+                        <a:t>11</a:t>
+                      </a:r>
+                      <a:endParaRPr sz="1050">
+                        <a:solidFill>
+                          <a:srgbClr val="383838"/>
+                        </a:solidFill>
+                      </a:endParaRPr>
+                    </a:p>
+                  </a:txBody>
+                  <a:tcPr marT="66675" marB="66675" marR="66675" marL="66675">
+                    <a:solidFill>
+                      <a:schemeClr val="lt1"/>
+                    </a:solidFill>
+                  </a:tcPr>
+                </a:tc>
+              </a:tr>
+              <a:tr h="288825">
+                <a:tc>
+                  <a:txBody>
+                    <a:bodyPr/>
+                    <a:lstStyle/>
+                    <a:p>
+                      <a:pPr indent="0" lvl="0" marL="0" rtl="0" algn="ctr">
+                        <a:lnSpc>
+                          <a:spcPct val="115000"/>
+                        </a:lnSpc>
+                        <a:spcBef>
+                          <a:spcPts val="0"/>
+                        </a:spcBef>
+                        <a:spcAft>
+                          <a:spcPts val="0"/>
+                        </a:spcAft>
+                        <a:buNone/>
+                      </a:pPr>
+                      <a:r>
+                        <a:rPr b="1" lang="ko" sz="1050">
+                          <a:solidFill>
+                            <a:srgbClr val="383838"/>
+                          </a:solidFill>
+                        </a:rPr>
+                        <a:t>Platform</a:t>
+                      </a:r>
+                      <a:endParaRPr b="1" sz="1050">
+                        <a:solidFill>
+                          <a:srgbClr val="383838"/>
+                        </a:solidFill>
+                      </a:endParaRPr>
+                    </a:p>
+                  </a:txBody>
+                  <a:tcPr marT="66675" marB="66675" marR="66675" marL="66675" anchor="ctr">
+                    <a:solidFill>
+                      <a:schemeClr val="lt1"/>
+                    </a:solidFill>
+                  </a:tcPr>
+                </a:tc>
+                <a:tc>
+                  <a:txBody>
+                    <a:bodyPr/>
+                    <a:lstStyle/>
+                    <a:p>
+                      <a:pPr indent="0" lvl="0" marL="0" rtl="0" algn="r">
+                        <a:lnSpc>
+                          <a:spcPct val="115000"/>
+                        </a:lnSpc>
+                        <a:spcBef>
+                          <a:spcPts val="0"/>
+                        </a:spcBef>
+                        <a:spcAft>
+                          <a:spcPts val="0"/>
+                        </a:spcAft>
+                        <a:buNone/>
+                      </a:pPr>
+                      <a:r>
+                        <a:rPr lang="ko" sz="1050">
+                          <a:solidFill>
+                            <a:srgbClr val="383838"/>
+                          </a:solidFill>
+                        </a:rPr>
+                        <a:t>10</a:t>
+                      </a:r>
+                      <a:endParaRPr sz="1050">
+                        <a:solidFill>
+                          <a:srgbClr val="383838"/>
+                        </a:solidFill>
+                      </a:endParaRPr>
+                    </a:p>
+                  </a:txBody>
+                  <a:tcPr marT="66675" marB="66675" marR="66675" marL="66675">
+                    <a:solidFill>
+                      <a:schemeClr val="lt1"/>
+                    </a:solidFill>
+                  </a:tcPr>
+                </a:tc>
+              </a:tr>
+              <a:tr h="288825">
+                <a:tc>
+                  <a:txBody>
+                    <a:bodyPr/>
+                    <a:lstStyle/>
+                    <a:p>
+                      <a:pPr indent="0" lvl="0" marL="0" rtl="0" algn="ctr">
+                        <a:lnSpc>
+                          <a:spcPct val="115000"/>
+                        </a:lnSpc>
+                        <a:spcBef>
+                          <a:spcPts val="0"/>
+                        </a:spcBef>
+                        <a:spcAft>
+                          <a:spcPts val="0"/>
+                        </a:spcAft>
+                        <a:buNone/>
+                      </a:pPr>
+                      <a:r>
+                        <a:rPr b="1" lang="ko" sz="1050">
+                          <a:solidFill>
+                            <a:srgbClr val="383838"/>
+                          </a:solidFill>
+                        </a:rPr>
+                        <a:t>Sports</a:t>
+                      </a:r>
+                      <a:endParaRPr b="1" sz="1050">
+                        <a:solidFill>
+                          <a:srgbClr val="383838"/>
+                        </a:solidFill>
+                      </a:endParaRPr>
+                    </a:p>
+                  </a:txBody>
+                  <a:tcPr marT="66675" marB="66675" marR="66675" marL="66675" anchor="ctr">
+                    <a:solidFill>
+                      <a:schemeClr val="lt1"/>
+                    </a:solidFill>
+                  </a:tcPr>
+                </a:tc>
+                <a:tc>
+                  <a:txBody>
+                    <a:bodyPr/>
+                    <a:lstStyle/>
+                    <a:p>
+                      <a:pPr indent="0" lvl="0" marL="0" rtl="0" algn="r">
+                        <a:lnSpc>
+                          <a:spcPct val="115000"/>
+                        </a:lnSpc>
+                        <a:spcBef>
+                          <a:spcPts val="0"/>
+                        </a:spcBef>
+                        <a:spcAft>
+                          <a:spcPts val="0"/>
+                        </a:spcAft>
+                        <a:buNone/>
+                      </a:pPr>
+                      <a:r>
+                        <a:rPr lang="ko" sz="1050">
+                          <a:solidFill>
+                            <a:srgbClr val="383838"/>
+                          </a:solidFill>
+                        </a:rPr>
+                        <a:t>9</a:t>
+                      </a:r>
+                      <a:endParaRPr sz="1050">
+                        <a:solidFill>
+                          <a:srgbClr val="383838"/>
+                        </a:solidFill>
+                      </a:endParaRPr>
+                    </a:p>
+                  </a:txBody>
+                  <a:tcPr marT="66675" marB="66675" marR="66675" marL="66675">
+                    <a:solidFill>
+                      <a:schemeClr val="lt1"/>
+                    </a:solidFill>
+                  </a:tcPr>
+                </a:tc>
+              </a:tr>
+              <a:tr h="288825">
+                <a:tc>
+                  <a:txBody>
+                    <a:bodyPr/>
+                    <a:lstStyle/>
+                    <a:p>
+                      <a:pPr indent="0" lvl="0" marL="0" rtl="0" algn="ctr">
+                        <a:lnSpc>
+                          <a:spcPct val="115000"/>
+                        </a:lnSpc>
+                        <a:spcBef>
+                          <a:spcPts val="0"/>
+                        </a:spcBef>
+                        <a:spcAft>
+                          <a:spcPts val="0"/>
+                        </a:spcAft>
+                        <a:buNone/>
+                      </a:pPr>
+                      <a:r>
+                        <a:rPr b="1" lang="ko" sz="1050">
+                          <a:solidFill>
+                            <a:srgbClr val="383838"/>
+                          </a:solidFill>
+                        </a:rPr>
+                        <a:t>Role-Playing</a:t>
+                      </a:r>
+                      <a:endParaRPr b="1" sz="1050">
+                        <a:solidFill>
+                          <a:srgbClr val="383838"/>
+                        </a:solidFill>
+                      </a:endParaRPr>
+                    </a:p>
+                  </a:txBody>
+                  <a:tcPr marT="66675" marB="66675" marR="66675" marL="66675" anchor="ctr">
+                    <a:solidFill>
+                      <a:schemeClr val="lt1"/>
+                    </a:solidFill>
+                  </a:tcPr>
+                </a:tc>
+                <a:tc>
+                  <a:txBody>
+                    <a:bodyPr/>
+                    <a:lstStyle/>
+                    <a:p>
+                      <a:pPr indent="0" lvl="0" marL="0" rtl="0" algn="r">
+                        <a:lnSpc>
+                          <a:spcPct val="115000"/>
+                        </a:lnSpc>
+                        <a:spcBef>
+                          <a:spcPts val="0"/>
+                        </a:spcBef>
+                        <a:spcAft>
+                          <a:spcPts val="0"/>
+                        </a:spcAft>
+                        <a:buNone/>
+                      </a:pPr>
+                      <a:r>
+                        <a:rPr lang="ko" sz="1050">
+                          <a:solidFill>
+                            <a:srgbClr val="383838"/>
+                          </a:solidFill>
+                        </a:rPr>
+                        <a:t>8</a:t>
+                      </a:r>
+                      <a:endParaRPr sz="1050">
+                        <a:solidFill>
+                          <a:srgbClr val="383838"/>
+                        </a:solidFill>
+                      </a:endParaRPr>
+                    </a:p>
+                  </a:txBody>
+                  <a:tcPr marT="66675" marB="66675" marR="66675" marL="66675">
+                    <a:solidFill>
+                      <a:schemeClr val="lt1"/>
+                    </a:solidFill>
+                  </a:tcPr>
+                </a:tc>
+              </a:tr>
+              <a:tr h="288825">
+                <a:tc>
+                  <a:txBody>
+                    <a:bodyPr/>
+                    <a:lstStyle/>
+                    <a:p>
+                      <a:pPr indent="0" lvl="0" marL="0" rtl="0" algn="ctr">
+                        <a:lnSpc>
+                          <a:spcPct val="115000"/>
+                        </a:lnSpc>
+                        <a:spcBef>
+                          <a:spcPts val="0"/>
+                        </a:spcBef>
+                        <a:spcAft>
+                          <a:spcPts val="0"/>
+                        </a:spcAft>
+                        <a:buNone/>
+                      </a:pPr>
+                      <a:r>
+                        <a:rPr b="1" lang="ko" sz="1050">
+                          <a:solidFill>
+                            <a:srgbClr val="383838"/>
+                          </a:solidFill>
+                        </a:rPr>
+                        <a:t>Action</a:t>
+                      </a:r>
+                      <a:endParaRPr b="1" sz="1050">
+                        <a:solidFill>
+                          <a:srgbClr val="383838"/>
+                        </a:solidFill>
+                      </a:endParaRPr>
+                    </a:p>
+                  </a:txBody>
+                  <a:tcPr marT="66675" marB="66675" marR="66675" marL="66675" anchor="ctr">
+                    <a:solidFill>
+                      <a:schemeClr val="lt1"/>
+                    </a:solidFill>
+                  </a:tcPr>
+                </a:tc>
+                <a:tc>
+                  <a:txBody>
+                    <a:bodyPr/>
+                    <a:lstStyle/>
+                    <a:p>
+                      <a:pPr indent="0" lvl="0" marL="0" rtl="0" algn="r">
+                        <a:lnSpc>
+                          <a:spcPct val="115000"/>
+                        </a:lnSpc>
+                        <a:spcBef>
+                          <a:spcPts val="0"/>
+                        </a:spcBef>
+                        <a:spcAft>
+                          <a:spcPts val="0"/>
+                        </a:spcAft>
+                        <a:buNone/>
+                      </a:pPr>
+                      <a:r>
+                        <a:rPr lang="ko" sz="1050">
+                          <a:solidFill>
+                            <a:srgbClr val="383838"/>
+                          </a:solidFill>
+                        </a:rPr>
+                        <a:t>5</a:t>
+                      </a:r>
+                      <a:endParaRPr sz="1050">
+                        <a:solidFill>
+                          <a:srgbClr val="383838"/>
+                        </a:solidFill>
+                      </a:endParaRPr>
+                    </a:p>
+                  </a:txBody>
+                  <a:tcPr marT="66675" marB="66675" marR="66675" marL="66675">
+                    <a:solidFill>
+                      <a:schemeClr val="lt1"/>
+                    </a:solidFill>
+                  </a:tcPr>
+                </a:tc>
+              </a:tr>
+              <a:tr h="288825">
+                <a:tc>
+                  <a:txBody>
+                    <a:bodyPr/>
+                    <a:lstStyle/>
+                    <a:p>
+                      <a:pPr indent="0" lvl="0" marL="0" rtl="0" algn="ctr">
+                        <a:lnSpc>
+                          <a:spcPct val="115000"/>
+                        </a:lnSpc>
+                        <a:spcBef>
+                          <a:spcPts val="0"/>
+                        </a:spcBef>
+                        <a:spcAft>
+                          <a:spcPts val="0"/>
+                        </a:spcAft>
+                        <a:buNone/>
+                      </a:pPr>
+                      <a:r>
+                        <a:rPr b="1" lang="ko" sz="1050">
+                          <a:solidFill>
+                            <a:srgbClr val="383838"/>
+                          </a:solidFill>
+                        </a:rPr>
+                        <a:t>Fighting</a:t>
+                      </a:r>
+                      <a:endParaRPr b="1" sz="1050">
+                        <a:solidFill>
+                          <a:srgbClr val="383838"/>
+                        </a:solidFill>
+                      </a:endParaRPr>
+                    </a:p>
+                  </a:txBody>
+                  <a:tcPr marT="66675" marB="66675" marR="66675" marL="66675" anchor="ctr">
+                    <a:solidFill>
+                      <a:schemeClr val="lt1"/>
+                    </a:solidFill>
+                  </a:tcPr>
+                </a:tc>
+                <a:tc>
+                  <a:txBody>
+                    <a:bodyPr/>
+                    <a:lstStyle/>
+                    <a:p>
+                      <a:pPr indent="0" lvl="0" marL="0" rtl="0" algn="r">
+                        <a:lnSpc>
+                          <a:spcPct val="115000"/>
+                        </a:lnSpc>
+                        <a:spcBef>
+                          <a:spcPts val="0"/>
+                        </a:spcBef>
+                        <a:spcAft>
+                          <a:spcPts val="0"/>
+                        </a:spcAft>
+                        <a:buNone/>
+                      </a:pPr>
+                      <a:r>
+                        <a:rPr lang="ko" sz="1050">
+                          <a:solidFill>
+                            <a:srgbClr val="383838"/>
+                          </a:solidFill>
+                        </a:rPr>
+                        <a:t>5</a:t>
+                      </a:r>
+                      <a:endParaRPr sz="1050">
+                        <a:solidFill>
+                          <a:srgbClr val="383838"/>
+                        </a:solidFill>
+                      </a:endParaRPr>
+                    </a:p>
+                  </a:txBody>
+                  <a:tcPr marT="66675" marB="66675" marR="66675" marL="66675">
+                    <a:solidFill>
+                      <a:schemeClr val="lt1"/>
+                    </a:solidFill>
+                  </a:tcPr>
+                </a:tc>
+              </a:tr>
+              <a:tr h="288825">
+                <a:tc>
+                  <a:txBody>
+                    <a:bodyPr/>
+                    <a:lstStyle/>
+                    <a:p>
+                      <a:pPr indent="0" lvl="0" marL="0" rtl="0" algn="ctr">
+                        <a:lnSpc>
+                          <a:spcPct val="115000"/>
+                        </a:lnSpc>
+                        <a:spcBef>
+                          <a:spcPts val="0"/>
+                        </a:spcBef>
+                        <a:spcAft>
+                          <a:spcPts val="0"/>
+                        </a:spcAft>
+                        <a:buNone/>
+                      </a:pPr>
+                      <a:r>
+                        <a:rPr b="1" lang="ko" sz="1050">
+                          <a:solidFill>
+                            <a:srgbClr val="383838"/>
+                          </a:solidFill>
+                        </a:rPr>
+                        <a:t>Racing</a:t>
+                      </a:r>
+                      <a:endParaRPr b="1" sz="1050">
+                        <a:solidFill>
+                          <a:srgbClr val="383838"/>
+                        </a:solidFill>
+                      </a:endParaRPr>
+                    </a:p>
+                  </a:txBody>
+                  <a:tcPr marT="66675" marB="66675" marR="66675" marL="66675" anchor="ctr">
+                    <a:solidFill>
+                      <a:schemeClr val="lt1"/>
+                    </a:solidFill>
+                  </a:tcPr>
+                </a:tc>
+                <a:tc>
+                  <a:txBody>
+                    <a:bodyPr/>
+                    <a:lstStyle/>
+                    <a:p>
+                      <a:pPr indent="0" lvl="0" marL="0" rtl="0" algn="r">
+                        <a:lnSpc>
+                          <a:spcPct val="115000"/>
+                        </a:lnSpc>
+                        <a:spcBef>
+                          <a:spcPts val="0"/>
+                        </a:spcBef>
+                        <a:spcAft>
+                          <a:spcPts val="0"/>
+                        </a:spcAft>
+                        <a:buNone/>
+                      </a:pPr>
+                      <a:r>
+                        <a:rPr lang="ko" sz="1050">
+                          <a:solidFill>
+                            <a:srgbClr val="383838"/>
+                          </a:solidFill>
+                        </a:rPr>
+                        <a:t>5</a:t>
+                      </a:r>
+                      <a:endParaRPr sz="1050">
+                        <a:solidFill>
+                          <a:srgbClr val="383838"/>
+                        </a:solidFill>
+                      </a:endParaRPr>
+                    </a:p>
+                  </a:txBody>
+                  <a:tcPr marT="66675" marB="66675" marR="66675" marL="66675">
+                    <a:solidFill>
+                      <a:schemeClr val="lt1"/>
+                    </a:solidFill>
+                  </a:tcPr>
+                </a:tc>
+              </a:tr>
+              <a:tr h="288825">
+                <a:tc>
+                  <a:txBody>
+                    <a:bodyPr/>
+                    <a:lstStyle/>
+                    <a:p>
+                      <a:pPr indent="0" lvl="0" marL="0" rtl="0" algn="ctr">
+                        <a:lnSpc>
+                          <a:spcPct val="115000"/>
+                        </a:lnSpc>
+                        <a:spcBef>
+                          <a:spcPts val="0"/>
+                        </a:spcBef>
+                        <a:spcAft>
+                          <a:spcPts val="0"/>
+                        </a:spcAft>
+                        <a:buNone/>
+                      </a:pPr>
+                      <a:r>
+                        <a:rPr b="1" lang="ko" sz="1050">
+                          <a:solidFill>
+                            <a:srgbClr val="383838"/>
+                          </a:solidFill>
+                        </a:rPr>
+                        <a:t>Simulation</a:t>
+                      </a:r>
+                      <a:endParaRPr b="1" sz="1050">
+                        <a:solidFill>
+                          <a:srgbClr val="383838"/>
+                        </a:solidFill>
+                      </a:endParaRPr>
+                    </a:p>
+                  </a:txBody>
+                  <a:tcPr marT="66675" marB="66675" marR="66675" marL="66675" anchor="ctr">
+                    <a:solidFill>
+                      <a:schemeClr val="lt1"/>
+                    </a:solidFill>
+                  </a:tcPr>
+                </a:tc>
+                <a:tc>
+                  <a:txBody>
+                    <a:bodyPr/>
+                    <a:lstStyle/>
+                    <a:p>
+                      <a:pPr indent="0" lvl="0" marL="0" rtl="0" algn="r">
+                        <a:lnSpc>
+                          <a:spcPct val="115000"/>
+                        </a:lnSpc>
+                        <a:spcBef>
+                          <a:spcPts val="0"/>
+                        </a:spcBef>
+                        <a:spcAft>
+                          <a:spcPts val="0"/>
+                        </a:spcAft>
+                        <a:buNone/>
+                      </a:pPr>
+                      <a:r>
+                        <a:rPr lang="ko" sz="1050">
+                          <a:solidFill>
+                            <a:srgbClr val="383838"/>
+                          </a:solidFill>
+                        </a:rPr>
+                        <a:t>4</a:t>
+                      </a:r>
+                      <a:endParaRPr sz="1050">
+                        <a:solidFill>
+                          <a:srgbClr val="383838"/>
+                        </a:solidFill>
+                      </a:endParaRPr>
+                    </a:p>
+                  </a:txBody>
+                  <a:tcPr marT="66675" marB="66675" marR="66675" marL="66675">
+                    <a:solidFill>
+                      <a:schemeClr val="lt1"/>
+                    </a:solidFill>
+                  </a:tcPr>
+                </a:tc>
+              </a:tr>
+              <a:tr h="288825">
+                <a:tc>
+                  <a:txBody>
+                    <a:bodyPr/>
+                    <a:lstStyle/>
+                    <a:p>
+                      <a:pPr indent="0" lvl="0" marL="0" rtl="0" algn="ctr">
+                        <a:lnSpc>
+                          <a:spcPct val="115000"/>
+                        </a:lnSpc>
+                        <a:spcBef>
+                          <a:spcPts val="0"/>
+                        </a:spcBef>
+                        <a:spcAft>
+                          <a:spcPts val="0"/>
+                        </a:spcAft>
+                        <a:buNone/>
+                      </a:pPr>
+                      <a:r>
+                        <a:rPr b="1" lang="ko" sz="1050">
+                          <a:solidFill>
+                            <a:srgbClr val="383838"/>
+                          </a:solidFill>
+                        </a:rPr>
+                        <a:t>Misc</a:t>
+                      </a:r>
+                      <a:endParaRPr b="1" sz="1050">
+                        <a:solidFill>
+                          <a:srgbClr val="383838"/>
+                        </a:solidFill>
+                      </a:endParaRPr>
+                    </a:p>
+                  </a:txBody>
+                  <a:tcPr marT="66675" marB="66675" marR="66675" marL="66675" anchor="ctr">
+                    <a:solidFill>
+                      <a:schemeClr val="lt1"/>
+                    </a:solidFill>
+                  </a:tcPr>
+                </a:tc>
+                <a:tc>
+                  <a:txBody>
+                    <a:bodyPr/>
+                    <a:lstStyle/>
+                    <a:p>
+                      <a:pPr indent="0" lvl="0" marL="0" rtl="0" algn="r">
+                        <a:lnSpc>
+                          <a:spcPct val="115000"/>
+                        </a:lnSpc>
+                        <a:spcBef>
+                          <a:spcPts val="0"/>
+                        </a:spcBef>
+                        <a:spcAft>
+                          <a:spcPts val="0"/>
+                        </a:spcAft>
+                        <a:buNone/>
+                      </a:pPr>
+                      <a:r>
+                        <a:rPr lang="ko" sz="1050">
+                          <a:solidFill>
+                            <a:srgbClr val="383838"/>
+                          </a:solidFill>
+                        </a:rPr>
+                        <a:t>3</a:t>
+                      </a:r>
+                      <a:endParaRPr sz="1050">
+                        <a:solidFill>
+                          <a:srgbClr val="383838"/>
+                        </a:solidFill>
+                      </a:endParaRPr>
+                    </a:p>
+                  </a:txBody>
+                  <a:tcPr marT="66675" marB="66675" marR="66675" marL="66675">
+                    <a:solidFill>
+                      <a:schemeClr val="lt1"/>
+                    </a:solidFill>
+                  </a:tcPr>
+                </a:tc>
+              </a:tr>
+              <a:tr h="288825">
+                <a:tc>
+                  <a:txBody>
+                    <a:bodyPr/>
+                    <a:lstStyle/>
+                    <a:p>
+                      <a:pPr indent="0" lvl="0" marL="0" rtl="0" algn="ctr">
+                        <a:lnSpc>
+                          <a:spcPct val="115000"/>
+                        </a:lnSpc>
+                        <a:spcBef>
+                          <a:spcPts val="0"/>
+                        </a:spcBef>
+                        <a:spcAft>
+                          <a:spcPts val="0"/>
+                        </a:spcAft>
+                        <a:buNone/>
+                      </a:pPr>
+                      <a:r>
+                        <a:rPr b="1" lang="ko" sz="1050">
+                          <a:solidFill>
+                            <a:srgbClr val="383838"/>
+                          </a:solidFill>
+                        </a:rPr>
+                        <a:t>Puzzle</a:t>
+                      </a:r>
+                      <a:endParaRPr b="1" sz="1050">
+                        <a:solidFill>
+                          <a:srgbClr val="383838"/>
+                        </a:solidFill>
+                      </a:endParaRPr>
+                    </a:p>
+                  </a:txBody>
+                  <a:tcPr marT="66675" marB="66675" marR="66675" marL="66675" anchor="ctr">
+                    <a:solidFill>
+                      <a:schemeClr val="lt1"/>
+                    </a:solidFill>
+                  </a:tcPr>
+                </a:tc>
+                <a:tc>
+                  <a:txBody>
+                    <a:bodyPr/>
+                    <a:lstStyle/>
+                    <a:p>
+                      <a:pPr indent="0" lvl="0" marL="0" rtl="0" algn="r">
+                        <a:lnSpc>
+                          <a:spcPct val="115000"/>
+                        </a:lnSpc>
+                        <a:spcBef>
+                          <a:spcPts val="0"/>
+                        </a:spcBef>
+                        <a:spcAft>
+                          <a:spcPts val="0"/>
+                        </a:spcAft>
+                        <a:buNone/>
+                      </a:pPr>
+                      <a:r>
+                        <a:rPr lang="ko" sz="1050">
+                          <a:solidFill>
+                            <a:srgbClr val="383838"/>
+                          </a:solidFill>
+                        </a:rPr>
+                        <a:t>2</a:t>
+                      </a:r>
+                      <a:endParaRPr sz="1050">
+                        <a:solidFill>
+                          <a:srgbClr val="383838"/>
+                        </a:solidFill>
+                      </a:endParaRPr>
+                    </a:p>
+                  </a:txBody>
+                  <a:tcPr marT="66675" marB="66675" marR="66675" marL="66675">
+                    <a:solidFill>
+                      <a:schemeClr val="lt1"/>
+                    </a:solidFill>
+                  </a:tcPr>
+                </a:tc>
+              </a:tr>
+              <a:tr h="288825">
+                <a:tc>
+                  <a:txBody>
+                    <a:bodyPr/>
+                    <a:lstStyle/>
+                    <a:p>
+                      <a:pPr indent="0" lvl="0" marL="0" rtl="0" algn="ctr">
+                        <a:lnSpc>
+                          <a:spcPct val="115000"/>
+                        </a:lnSpc>
+                        <a:spcBef>
+                          <a:spcPts val="0"/>
+                        </a:spcBef>
+                        <a:spcAft>
+                          <a:spcPts val="0"/>
+                        </a:spcAft>
+                        <a:buNone/>
+                      </a:pPr>
+                      <a:r>
+                        <a:rPr b="1" lang="ko" sz="1050">
+                          <a:solidFill>
+                            <a:srgbClr val="383838"/>
+                          </a:solidFill>
+                        </a:rPr>
+                        <a:t>Strategy</a:t>
+                      </a:r>
+                      <a:endParaRPr b="1" sz="1050">
+                        <a:solidFill>
+                          <a:srgbClr val="383838"/>
+                        </a:solidFill>
+                      </a:endParaRPr>
+                    </a:p>
+                  </a:txBody>
+                  <a:tcPr marT="66675" marB="66675" marR="66675" marL="66675" anchor="ctr">
+                    <a:solidFill>
+                      <a:schemeClr val="lt1"/>
+                    </a:solidFill>
+                  </a:tcPr>
+                </a:tc>
+                <a:tc>
+                  <a:txBody>
+                    <a:bodyPr/>
+                    <a:lstStyle/>
+                    <a:p>
+                      <a:pPr indent="0" lvl="0" marL="0" rtl="0" algn="r">
+                        <a:lnSpc>
+                          <a:spcPct val="115000"/>
+                        </a:lnSpc>
+                        <a:spcBef>
+                          <a:spcPts val="0"/>
+                        </a:spcBef>
+                        <a:spcAft>
+                          <a:spcPts val="0"/>
+                        </a:spcAft>
+                        <a:buNone/>
+                      </a:pPr>
+                      <a:r>
+                        <a:rPr lang="ko" sz="1050">
+                          <a:solidFill>
+                            <a:srgbClr val="383838"/>
+                          </a:solidFill>
+                        </a:rPr>
+                        <a:t>1</a:t>
+                      </a:r>
+                      <a:endParaRPr sz="1050">
+                        <a:solidFill>
+                          <a:srgbClr val="383838"/>
+                        </a:solidFill>
+                      </a:endParaRPr>
+                    </a:p>
+                  </a:txBody>
+                  <a:tcPr marT="66675" marB="66675" marR="66675" marL="66675">
+                    <a:solidFill>
+                      <a:schemeClr val="lt1"/>
+                    </a:solidFill>
+                  </a:tcPr>
+                </a:tc>
+              </a:tr>
+              <a:tr h="288825">
+                <a:tc>
+                  <a:txBody>
+                    <a:bodyPr/>
+                    <a:lstStyle/>
+                    <a:p>
+                      <a:pPr indent="0" lvl="0" marL="0" rtl="0" algn="ctr">
+                        <a:lnSpc>
+                          <a:spcPct val="115000"/>
+                        </a:lnSpc>
+                        <a:spcBef>
+                          <a:spcPts val="0"/>
+                        </a:spcBef>
+                        <a:spcAft>
+                          <a:spcPts val="0"/>
+                        </a:spcAft>
+                        <a:buNone/>
+                      </a:pPr>
+                      <a:r>
+                        <a:rPr b="1" lang="ko" sz="1050">
+                          <a:solidFill>
+                            <a:srgbClr val="383838"/>
+                          </a:solidFill>
+                        </a:rPr>
+                        <a:t>Adventure</a:t>
+                      </a:r>
+                      <a:endParaRPr b="1" sz="1050">
+                        <a:solidFill>
+                          <a:srgbClr val="383838"/>
+                        </a:solidFill>
+                      </a:endParaRPr>
+                    </a:p>
+                  </a:txBody>
+                  <a:tcPr marT="66675" marB="66675" marR="66675" marL="66675" anchor="ctr">
+                    <a:solidFill>
+                      <a:schemeClr val="lt1"/>
+                    </a:solidFill>
+                  </a:tcPr>
+                </a:tc>
+                <a:tc>
+                  <a:txBody>
+                    <a:bodyPr/>
+                    <a:lstStyle/>
+                    <a:p>
+                      <a:pPr indent="0" lvl="0" marL="0" rtl="0" algn="r">
+                        <a:lnSpc>
+                          <a:spcPct val="115000"/>
+                        </a:lnSpc>
+                        <a:spcBef>
+                          <a:spcPts val="0"/>
+                        </a:spcBef>
+                        <a:spcAft>
+                          <a:spcPts val="0"/>
+                        </a:spcAft>
+                        <a:buNone/>
+                      </a:pPr>
+                      <a:r>
+                        <a:rPr lang="ko" sz="1050">
+                          <a:solidFill>
+                            <a:srgbClr val="383838"/>
+                          </a:solidFill>
+                        </a:rPr>
+                        <a:t>0</a:t>
+                      </a:r>
+                      <a:endParaRPr sz="1050">
+                        <a:solidFill>
+                          <a:srgbClr val="383838"/>
+                        </a:solidFill>
+                      </a:endParaRPr>
+                    </a:p>
+                  </a:txBody>
+                  <a:tcPr marT="66675" marB="66675" marR="66675" marL="66675">
+                    <a:solidFill>
+                      <a:schemeClr val="lt1"/>
+                    </a:solidFill>
+                  </a:tcPr>
+                </a:tc>
+              </a:tr>
+            </a:tbl>
+          </a:graphicData>
+        </a:graphic>
+      </p:graphicFrame>
     </p:spTree>
   </p:cSld>
   <p:clrMapOvr>
@@ -8006,7 +9089,7 @@
   <p:cSld>
     <p:spTree>
       <p:nvGrpSpPr>
-        <p:cNvPr id="134" name="Shape 134"/>
+        <p:cNvPr id="136" name="Shape 136"/>
         <p:cNvGrpSpPr/>
         <p:nvPr/>
       </p:nvGrpSpPr>
@@ -8020,7 +9103,7 @@
       </p:grpSpPr>
       <p:sp>
         <p:nvSpPr>
-          <p:cNvPr id="135" name="Google Shape;135;p26"/>
+          <p:cNvPr id="137" name="Google Shape;137;p26"/>
           <p:cNvSpPr txBox="1"/>
           <p:nvPr>
             <p:ph type="title"/>
@@ -8060,7 +9143,7 @@
       </p:sp>
       <p:sp>
         <p:nvSpPr>
-          <p:cNvPr id="136" name="Google Shape;136;p26"/>
+          <p:cNvPr id="138" name="Google Shape;138;p26"/>
           <p:cNvSpPr txBox="1"/>
           <p:nvPr>
             <p:ph idx="1" type="body"/>
@@ -8111,7 +9194,7 @@
   <p:cSld>
     <p:spTree>
       <p:nvGrpSpPr>
-        <p:cNvPr id="140" name="Shape 140"/>
+        <p:cNvPr id="142" name="Shape 142"/>
         <p:cNvGrpSpPr/>
         <p:nvPr/>
       </p:nvGrpSpPr>
@@ -8125,7 +9208,7 @@
       </p:grpSpPr>
       <p:sp>
         <p:nvSpPr>
-          <p:cNvPr id="141" name="Google Shape;141;p27"/>
+          <p:cNvPr id="143" name="Google Shape;143;p27"/>
           <p:cNvSpPr txBox="1"/>
           <p:nvPr>
             <p:ph type="ctrTitle"/>
@@ -9235,6 +10318,285 @@
 </file>
 
 <file path=ppt/theme/theme1.xml><?xml version="1.0" encoding="utf-8"?>
+<a:theme xmlns:a="http://schemas.openxmlformats.org/drawingml/2006/main" xmlns:r="http://schemas.openxmlformats.org/officeDocument/2006/relationships" name="Gameday">
+  <a:themeElements>
+    <a:clrScheme name="Gameday">
+      <a:dk1>
+        <a:srgbClr val="4285F4"/>
+      </a:dk1>
+      <a:lt1>
+        <a:srgbClr val="FFFFFF"/>
+      </a:lt1>
+      <a:dk2>
+        <a:srgbClr val="666666"/>
+      </a:dk2>
+      <a:lt2>
+        <a:srgbClr val="D9D9D9"/>
+      </a:lt2>
+      <a:accent1>
+        <a:srgbClr val="455A64"/>
+      </a:accent1>
+      <a:accent2>
+        <a:srgbClr val="607D8B"/>
+      </a:accent2>
+      <a:accent3>
+        <a:srgbClr val="FF5722"/>
+      </a:accent3>
+      <a:accent4>
+        <a:srgbClr val="D84315"/>
+      </a:accent4>
+      <a:accent5>
+        <a:srgbClr val="1C3AA9"/>
+      </a:accent5>
+      <a:accent6>
+        <a:srgbClr val="FFAB40"/>
+      </a:accent6>
+      <a:hlink>
+        <a:srgbClr val="1C3AA9"/>
+      </a:hlink>
+      <a:folHlink>
+        <a:srgbClr val="1C3AA9"/>
+      </a:folHlink>
+    </a:clrScheme>
+    <a:fontScheme name="Office">
+      <a:majorFont>
+        <a:latin typeface="Arial"/>
+        <a:ea typeface=""/>
+        <a:cs typeface=""/>
+        <a:font script="Jpan" typeface="ＭＳ Ｐゴシック"/>
+        <a:font script="Hang" typeface="맑은 고딕"/>
+        <a:font script="Hans" typeface="宋体"/>
+        <a:font script="Hant" typeface="新細明體"/>
+        <a:font script="Arab" typeface="Times New Roman"/>
+        <a:font script="Hebr" typeface="Times New Roman"/>
+        <a:font script="Thai" typeface="Angsana New"/>
+        <a:font script="Ethi" typeface="Nyala"/>
+        <a:font script="Beng" typeface="Vrinda"/>
+        <a:font script="Gujr" typeface="Shruti"/>
+        <a:font script="Khmr" typeface="MoolBoran"/>
+        <a:font script="Knda" typeface="Tunga"/>
+        <a:font script="Guru" typeface="Raavi"/>
+        <a:font script="Cans" typeface="Euphemia"/>
+        <a:font script="Cher" typeface="Plantagenet Cherokee"/>
+        <a:font script="Yiii" typeface="Microsoft Yi Baiti"/>
+        <a:font script="Tibt" typeface="Microsoft Himalaya"/>
+        <a:font script="Thaa" typeface="MV Boli"/>
+        <a:font script="Deva" typeface="Mangal"/>
+        <a:font script="Telu" typeface="Gautami"/>
+        <a:font script="Taml" typeface="Latha"/>
+        <a:font script="Syrc" typeface="Estrangelo Edessa"/>
+        <a:font script="Orya" typeface="Kalinga"/>
+        <a:font script="Mlym" typeface="Kartika"/>
+        <a:font script="Laoo" typeface="DokChampa"/>
+        <a:font script="Sinh" typeface="Iskoola Pota"/>
+        <a:font script="Mong" typeface="Mongolian Baiti"/>
+        <a:font script="Viet" typeface="Times New Roman"/>
+        <a:font script="Uigh" typeface="Microsoft Uighur"/>
+        <a:font script="Geor" typeface="Sylfaen"/>
+      </a:majorFont>
+      <a:minorFont>
+        <a:latin typeface="Arial"/>
+        <a:ea typeface=""/>
+        <a:cs typeface=""/>
+        <a:font script="Jpan" typeface="ＭＳ Ｐゴシック"/>
+        <a:font script="Hang" typeface="맑은 고딕"/>
+        <a:font script="Hans" typeface="宋体"/>
+        <a:font script="Hant" typeface="新細明體"/>
+        <a:font script="Arab" typeface="Arial"/>
+        <a:font script="Hebr" typeface="Arial"/>
+        <a:font script="Thai" typeface="Cordia New"/>
+        <a:font script="Ethi" typeface="Nyala"/>
+        <a:font script="Beng" typeface="Vrinda"/>
+        <a:font script="Gujr" typeface="Shruti"/>
+        <a:font script="Khmr" typeface="DaunPenh"/>
+        <a:font script="Knda" typeface="Tunga"/>
+        <a:font script="Guru" typeface="Raavi"/>
+        <a:font script="Cans" typeface="Euphemia"/>
+        <a:font script="Cher" typeface="Plantagenet Cherokee"/>
+        <a:font script="Yiii" typeface="Microsoft Yi Baiti"/>
+        <a:font script="Tibt" typeface="Microsoft Himalaya"/>
+        <a:font script="Thaa" typeface="MV Boli"/>
+        <a:font script="Deva" typeface="Mangal"/>
+        <a:font script="Telu" typeface="Gautami"/>
+        <a:font script="Taml" typeface="Latha"/>
+        <a:font script="Syrc" typeface="Estrangelo Edessa"/>
+        <a:font script="Orya" typeface="Kalinga"/>
+        <a:font script="Mlym" typeface="Kartika"/>
+        <a:font script="Laoo" typeface="DokChampa"/>
+        <a:font script="Sinh" typeface="Iskoola Pota"/>
+        <a:font script="Mong" typeface="Mongolian Baiti"/>
+        <a:font script="Viet" typeface="Arial"/>
+        <a:font script="Uigh" typeface="Microsoft Uighur"/>
+        <a:font script="Geor" typeface="Sylfaen"/>
+      </a:minorFont>
+    </a:fontScheme>
+    <a:fmtScheme name="Office">
+      <a:fillStyleLst>
+        <a:solidFill>
+          <a:schemeClr val="phClr"/>
+        </a:solidFill>
+        <a:gradFill rotWithShape="1">
+          <a:gsLst>
+            <a:gs pos="0">
+              <a:schemeClr val="phClr">
+                <a:tint val="50000"/>
+                <a:satMod val="300000"/>
+              </a:schemeClr>
+            </a:gs>
+            <a:gs pos="35000">
+              <a:schemeClr val="phClr">
+                <a:tint val="37000"/>
+                <a:satMod val="300000"/>
+              </a:schemeClr>
+            </a:gs>
+            <a:gs pos="100000">
+              <a:schemeClr val="phClr">
+                <a:tint val="15000"/>
+                <a:satMod val="350000"/>
+              </a:schemeClr>
+            </a:gs>
+          </a:gsLst>
+          <a:lin ang="16200000" scaled="1"/>
+        </a:gradFill>
+        <a:gradFill rotWithShape="1">
+          <a:gsLst>
+            <a:gs pos="0">
+              <a:schemeClr val="phClr">
+                <a:tint val="100000"/>
+                <a:shade val="100000"/>
+                <a:satMod val="130000"/>
+              </a:schemeClr>
+            </a:gs>
+            <a:gs pos="100000">
+              <a:schemeClr val="phClr">
+                <a:tint val="50000"/>
+                <a:shade val="100000"/>
+                <a:satMod val="350000"/>
+              </a:schemeClr>
+            </a:gs>
+          </a:gsLst>
+          <a:lin ang="16200000" scaled="0"/>
+        </a:gradFill>
+      </a:fillStyleLst>
+      <a:lnStyleLst>
+        <a:ln w="9525" cap="flat" cmpd="sng" algn="ctr">
+          <a:solidFill>
+            <a:schemeClr val="phClr">
+              <a:shade val="95000"/>
+              <a:satMod val="105000"/>
+            </a:schemeClr>
+          </a:solidFill>
+          <a:prstDash val="solid"/>
+        </a:ln>
+        <a:ln w="25400" cap="flat" cmpd="sng" algn="ctr">
+          <a:solidFill>
+            <a:schemeClr val="phClr"/>
+          </a:solidFill>
+          <a:prstDash val="solid"/>
+        </a:ln>
+        <a:ln w="38100" cap="flat" cmpd="sng" algn="ctr">
+          <a:solidFill>
+            <a:schemeClr val="phClr"/>
+          </a:solidFill>
+          <a:prstDash val="solid"/>
+        </a:ln>
+      </a:lnStyleLst>
+      <a:effectStyleLst>
+        <a:effectStyle>
+          <a:effectLst>
+            <a:outerShdw blurRad="40000" dist="20000" dir="5400000" rotWithShape="0">
+              <a:srgbClr val="000000">
+                <a:alpha val="38000"/>
+              </a:srgbClr>
+            </a:outerShdw>
+          </a:effectLst>
+        </a:effectStyle>
+        <a:effectStyle>
+          <a:effectLst>
+            <a:outerShdw blurRad="40000" dist="23000" dir="5400000" rotWithShape="0">
+              <a:srgbClr val="000000">
+                <a:alpha val="35000"/>
+              </a:srgbClr>
+            </a:outerShdw>
+          </a:effectLst>
+        </a:effectStyle>
+        <a:effectStyle>
+          <a:effectLst>
+            <a:outerShdw blurRad="40000" dist="23000" dir="5400000" rotWithShape="0">
+              <a:srgbClr val="000000">
+                <a:alpha val="35000"/>
+              </a:srgbClr>
+            </a:outerShdw>
+          </a:effectLst>
+          <a:scene3d>
+            <a:camera prst="orthographicFront">
+              <a:rot lat="0" lon="0" rev="0"/>
+            </a:camera>
+            <a:lightRig rig="threePt" dir="t">
+              <a:rot lat="0" lon="0" rev="1200000"/>
+            </a:lightRig>
+          </a:scene3d>
+          <a:sp3d>
+            <a:bevelT w="63500" h="25400"/>
+          </a:sp3d>
+        </a:effectStyle>
+      </a:effectStyleLst>
+      <a:bgFillStyleLst>
+        <a:solidFill>
+          <a:schemeClr val="phClr"/>
+        </a:solidFill>
+        <a:gradFill rotWithShape="1">
+          <a:gsLst>
+            <a:gs pos="0">
+              <a:schemeClr val="phClr">
+                <a:tint val="40000"/>
+                <a:satMod val="350000"/>
+              </a:schemeClr>
+            </a:gs>
+            <a:gs pos="40000">
+              <a:schemeClr val="phClr">
+                <a:tint val="45000"/>
+                <a:shade val="99000"/>
+                <a:satMod val="350000"/>
+              </a:schemeClr>
+            </a:gs>
+            <a:gs pos="100000">
+              <a:schemeClr val="phClr">
+                <a:shade val="20000"/>
+                <a:satMod val="255000"/>
+              </a:schemeClr>
+            </a:gs>
+          </a:gsLst>
+          <a:path path="circle">
+            <a:fillToRect l="50000" t="-80000" r="50000" b="180000"/>
+          </a:path>
+        </a:gradFill>
+        <a:gradFill rotWithShape="1">
+          <a:gsLst>
+            <a:gs pos="0">
+              <a:schemeClr val="phClr">
+                <a:tint val="80000"/>
+                <a:satMod val="300000"/>
+              </a:schemeClr>
+            </a:gs>
+            <a:gs pos="100000">
+              <a:schemeClr val="phClr">
+                <a:shade val="30000"/>
+                <a:satMod val="200000"/>
+              </a:schemeClr>
+            </a:gs>
+          </a:gsLst>
+          <a:path path="circle">
+            <a:fillToRect l="50000" t="50000" r="50000" b="50000"/>
+          </a:path>
+        </a:gradFill>
+      </a:bgFillStyleLst>
+    </a:fmtScheme>
+  </a:themeElements>
+</a:theme>
+</file>
+
+<file path=ppt/theme/theme2.xml><?xml version="1.0" encoding="utf-8"?>
 <a:theme xmlns:a="http://schemas.openxmlformats.org/drawingml/2006/main" xmlns:r="http://schemas.openxmlformats.org/officeDocument/2006/relationships">
   <a:themeElements>
     <a:clrScheme name="Default">
@@ -9511,283 +10873,4 @@
     </a:fmtScheme>
   </a:themeElements>
 </a:theme>
-</file>
-
-<file path=ppt/theme/theme2.xml><?xml version="1.0" encoding="utf-8"?>
-<a:theme xmlns:a="http://schemas.openxmlformats.org/drawingml/2006/main" xmlns:r="http://schemas.openxmlformats.org/officeDocument/2006/relationships" name="Gameday">
-  <a:themeElements>
-    <a:clrScheme name="Gameday">
-      <a:dk1>
-        <a:srgbClr val="4285F4"/>
-      </a:dk1>
-      <a:lt1>
-        <a:srgbClr val="FFFFFF"/>
-      </a:lt1>
-      <a:dk2>
-        <a:srgbClr val="666666"/>
-      </a:dk2>
-      <a:lt2>
-        <a:srgbClr val="D9D9D9"/>
-      </a:lt2>
-      <a:accent1>
-        <a:srgbClr val="455A64"/>
-      </a:accent1>
-      <a:accent2>
-        <a:srgbClr val="607D8B"/>
-      </a:accent2>
-      <a:accent3>
-        <a:srgbClr val="FF5722"/>
-      </a:accent3>
-      <a:accent4>
-        <a:srgbClr val="D84315"/>
-      </a:accent4>
-      <a:accent5>
-        <a:srgbClr val="1C3AA9"/>
-      </a:accent5>
-      <a:accent6>
-        <a:srgbClr val="FFAB40"/>
-      </a:accent6>
-      <a:hlink>
-        <a:srgbClr val="1C3AA9"/>
-      </a:hlink>
-      <a:folHlink>
-        <a:srgbClr val="1C3AA9"/>
-      </a:folHlink>
-    </a:clrScheme>
-    <a:fontScheme name="Office">
-      <a:majorFont>
-        <a:latin typeface="Arial"/>
-        <a:ea typeface=""/>
-        <a:cs typeface=""/>
-        <a:font script="Jpan" typeface="ＭＳ Ｐゴシック"/>
-        <a:font script="Hang" typeface="맑은 고딕"/>
-        <a:font script="Hans" typeface="宋体"/>
-        <a:font script="Hant" typeface="新細明體"/>
-        <a:font script="Arab" typeface="Times New Roman"/>
-        <a:font script="Hebr" typeface="Times New Roman"/>
-        <a:font script="Thai" typeface="Angsana New"/>
-        <a:font script="Ethi" typeface="Nyala"/>
-        <a:font script="Beng" typeface="Vrinda"/>
-        <a:font script="Gujr" typeface="Shruti"/>
-        <a:font script="Khmr" typeface="MoolBoran"/>
-        <a:font script="Knda" typeface="Tunga"/>
-        <a:font script="Guru" typeface="Raavi"/>
-        <a:font script="Cans" typeface="Euphemia"/>
-        <a:font script="Cher" typeface="Plantagenet Cherokee"/>
-        <a:font script="Yiii" typeface="Microsoft Yi Baiti"/>
-        <a:font script="Tibt" typeface="Microsoft Himalaya"/>
-        <a:font script="Thaa" typeface="MV Boli"/>
-        <a:font script="Deva" typeface="Mangal"/>
-        <a:font script="Telu" typeface="Gautami"/>
-        <a:font script="Taml" typeface="Latha"/>
-        <a:font script="Syrc" typeface="Estrangelo Edessa"/>
-        <a:font script="Orya" typeface="Kalinga"/>
-        <a:font script="Mlym" typeface="Kartika"/>
-        <a:font script="Laoo" typeface="DokChampa"/>
-        <a:font script="Sinh" typeface="Iskoola Pota"/>
-        <a:font script="Mong" typeface="Mongolian Baiti"/>
-        <a:font script="Viet" typeface="Times New Roman"/>
-        <a:font script="Uigh" typeface="Microsoft Uighur"/>
-        <a:font script="Geor" typeface="Sylfaen"/>
-      </a:majorFont>
-      <a:minorFont>
-        <a:latin typeface="Arial"/>
-        <a:ea typeface=""/>
-        <a:cs typeface=""/>
-        <a:font script="Jpan" typeface="ＭＳ Ｐゴシック"/>
-        <a:font script="Hang" typeface="맑은 고딕"/>
-        <a:font script="Hans" typeface="宋体"/>
-        <a:font script="Hant" typeface="新細明體"/>
-        <a:font script="Arab" typeface="Arial"/>
-        <a:font script="Hebr" typeface="Arial"/>
-        <a:font script="Thai" typeface="Cordia New"/>
-        <a:font script="Ethi" typeface="Nyala"/>
-        <a:font script="Beng" typeface="Vrinda"/>
-        <a:font script="Gujr" typeface="Shruti"/>
-        <a:font script="Khmr" typeface="DaunPenh"/>
-        <a:font script="Knda" typeface="Tunga"/>
-        <a:font script="Guru" typeface="Raavi"/>
-        <a:font script="Cans" typeface="Euphemia"/>
-        <a:font script="Cher" typeface="Plantagenet Cherokee"/>
-        <a:font script="Yiii" typeface="Microsoft Yi Baiti"/>
-        <a:font script="Tibt" typeface="Microsoft Himalaya"/>
-        <a:font script="Thaa" typeface="MV Boli"/>
-        <a:font script="Deva" typeface="Mangal"/>
-        <a:font script="Telu" typeface="Gautami"/>
-        <a:font script="Taml" typeface="Latha"/>
-        <a:font script="Syrc" typeface="Estrangelo Edessa"/>
-        <a:font script="Orya" typeface="Kalinga"/>
-        <a:font script="Mlym" typeface="Kartika"/>
-        <a:font script="Laoo" typeface="DokChampa"/>
-        <a:font script="Sinh" typeface="Iskoola Pota"/>
-        <a:font script="Mong" typeface="Mongolian Baiti"/>
-        <a:font script="Viet" typeface="Arial"/>
-        <a:font script="Uigh" typeface="Microsoft Uighur"/>
-        <a:font script="Geor" typeface="Sylfaen"/>
-      </a:minorFont>
-    </a:fontScheme>
-    <a:fmtScheme name="Office">
-      <a:fillStyleLst>
-        <a:solidFill>
-          <a:schemeClr val="phClr"/>
-        </a:solidFill>
-        <a:gradFill rotWithShape="1">
-          <a:gsLst>
-            <a:gs pos="0">
-              <a:schemeClr val="phClr">
-                <a:tint val="50000"/>
-                <a:satMod val="300000"/>
-              </a:schemeClr>
-            </a:gs>
-            <a:gs pos="35000">
-              <a:schemeClr val="phClr">
-                <a:tint val="37000"/>
-                <a:satMod val="300000"/>
-              </a:schemeClr>
-            </a:gs>
-            <a:gs pos="100000">
-              <a:schemeClr val="phClr">
-                <a:tint val="15000"/>
-                <a:satMod val="350000"/>
-              </a:schemeClr>
-            </a:gs>
-          </a:gsLst>
-          <a:lin ang="16200000" scaled="1"/>
-        </a:gradFill>
-        <a:gradFill rotWithShape="1">
-          <a:gsLst>
-            <a:gs pos="0">
-              <a:schemeClr val="phClr">
-                <a:tint val="100000"/>
-                <a:shade val="100000"/>
-                <a:satMod val="130000"/>
-              </a:schemeClr>
-            </a:gs>
-            <a:gs pos="100000">
-              <a:schemeClr val="phClr">
-                <a:tint val="50000"/>
-                <a:shade val="100000"/>
-                <a:satMod val="350000"/>
-              </a:schemeClr>
-            </a:gs>
-          </a:gsLst>
-          <a:lin ang="16200000" scaled="0"/>
-        </a:gradFill>
-      </a:fillStyleLst>
-      <a:lnStyleLst>
-        <a:ln w="9525" cap="flat" cmpd="sng" algn="ctr">
-          <a:solidFill>
-            <a:schemeClr val="phClr">
-              <a:shade val="95000"/>
-              <a:satMod val="105000"/>
-            </a:schemeClr>
-          </a:solidFill>
-          <a:prstDash val="solid"/>
-        </a:ln>
-        <a:ln w="25400" cap="flat" cmpd="sng" algn="ctr">
-          <a:solidFill>
-            <a:schemeClr val="phClr"/>
-          </a:solidFill>
-          <a:prstDash val="solid"/>
-        </a:ln>
-        <a:ln w="38100" cap="flat" cmpd="sng" algn="ctr">
-          <a:solidFill>
-            <a:schemeClr val="phClr"/>
-          </a:solidFill>
-          <a:prstDash val="solid"/>
-        </a:ln>
-      </a:lnStyleLst>
-      <a:effectStyleLst>
-        <a:effectStyle>
-          <a:effectLst>
-            <a:outerShdw blurRad="40000" dist="20000" dir="5400000" rotWithShape="0">
-              <a:srgbClr val="000000">
-                <a:alpha val="38000"/>
-              </a:srgbClr>
-            </a:outerShdw>
-          </a:effectLst>
-        </a:effectStyle>
-        <a:effectStyle>
-          <a:effectLst>
-            <a:outerShdw blurRad="40000" dist="23000" dir="5400000" rotWithShape="0">
-              <a:srgbClr val="000000">
-                <a:alpha val="35000"/>
-              </a:srgbClr>
-            </a:outerShdw>
-          </a:effectLst>
-        </a:effectStyle>
-        <a:effectStyle>
-          <a:effectLst>
-            <a:outerShdw blurRad="40000" dist="23000" dir="5400000" rotWithShape="0">
-              <a:srgbClr val="000000">
-                <a:alpha val="35000"/>
-              </a:srgbClr>
-            </a:outerShdw>
-          </a:effectLst>
-          <a:scene3d>
-            <a:camera prst="orthographicFront">
-              <a:rot lat="0" lon="0" rev="0"/>
-            </a:camera>
-            <a:lightRig rig="threePt" dir="t">
-              <a:rot lat="0" lon="0" rev="1200000"/>
-            </a:lightRig>
-          </a:scene3d>
-          <a:sp3d>
-            <a:bevelT w="63500" h="25400"/>
-          </a:sp3d>
-        </a:effectStyle>
-      </a:effectStyleLst>
-      <a:bgFillStyleLst>
-        <a:solidFill>
-          <a:schemeClr val="phClr"/>
-        </a:solidFill>
-        <a:gradFill rotWithShape="1">
-          <a:gsLst>
-            <a:gs pos="0">
-              <a:schemeClr val="phClr">
-                <a:tint val="40000"/>
-                <a:satMod val="350000"/>
-              </a:schemeClr>
-            </a:gs>
-            <a:gs pos="40000">
-              <a:schemeClr val="phClr">
-                <a:tint val="45000"/>
-                <a:shade val="99000"/>
-                <a:satMod val="350000"/>
-              </a:schemeClr>
-            </a:gs>
-            <a:gs pos="100000">
-              <a:schemeClr val="phClr">
-                <a:shade val="20000"/>
-                <a:satMod val="255000"/>
-              </a:schemeClr>
-            </a:gs>
-          </a:gsLst>
-          <a:path path="circle">
-            <a:fillToRect l="50000" t="-80000" r="50000" b="180000"/>
-          </a:path>
-        </a:gradFill>
-        <a:gradFill rotWithShape="1">
-          <a:gsLst>
-            <a:gs pos="0">
-              <a:schemeClr val="phClr">
-                <a:tint val="80000"/>
-                <a:satMod val="300000"/>
-              </a:schemeClr>
-            </a:gs>
-            <a:gs pos="100000">
-              <a:schemeClr val="phClr">
-                <a:shade val="30000"/>
-                <a:satMod val="200000"/>
-              </a:schemeClr>
-            </a:gs>
-          </a:gsLst>
-          <a:path path="circle">
-            <a:fillToRect l="50000" t="50000" r="50000" b="50000"/>
-          </a:path>
-        </a:gradFill>
-      </a:bgFillStyleLst>
-    </a:fmtScheme>
-  </a:themeElements>
-</a:theme>
 </file>